--- a/Магазин.pptx
+++ b/Магазин.pptx
@@ -13,6 +13,7 @@
     <p:sldId id="261" r:id="rId7"/>
     <p:sldId id="262" r:id="rId8"/>
     <p:sldId id="263" r:id="rId9"/>
+    <p:sldId id="264" r:id="rId10"/>
   </p:sldIdLst>
   <p:sldSz cx="12192000" cy="6858000"/>
   <p:notesSz cx="6858000" cy="9144000"/>
@@ -111,6 +112,11 @@
       </a:defRPr>
     </a:lvl9pPr>
   </p:defaultTextStyle>
+  <p:extLst>
+    <p:ext uri="{EFAFB233-063F-42B5-8137-9DF3F51BA10A}">
+      <p15:sldGuideLst xmlns:p15="http://schemas.microsoft.com/office/powerpoint/2012/main"/>
+    </p:ext>
+  </p:extLst>
 </p:presentation>
 </file>
 
@@ -119,7 +125,7 @@
   <pc:docChgLst>
     <pc:chgData name="Искандер" userId="b9b65d62fbdee90a" providerId="LiveId" clId="{CA13A2FC-0B25-49AF-8ED4-5CE4A3521B97}"/>
     <pc:docChg chg="undo custSel addSld modSld">
-      <pc:chgData name="Искандер" userId="b9b65d62fbdee90a" providerId="LiveId" clId="{CA13A2FC-0B25-49AF-8ED4-5CE4A3521B97}" dt="2021-04-26T11:16:24.056" v="157" actId="14100"/>
+      <pc:chgData name="Искандер" userId="b9b65d62fbdee90a" providerId="LiveId" clId="{CA13A2FC-0B25-49AF-8ED4-5CE4A3521B97}" dt="2021-04-26T13:33:59.598" v="169" actId="14100"/>
       <pc:docMkLst>
         <pc:docMk/>
       </pc:docMkLst>
@@ -177,8 +183,8 @@
           </ac:picMkLst>
         </pc:picChg>
       </pc:sldChg>
-      <pc:sldChg chg="modSp new mod">
-        <pc:chgData name="Искандер" userId="b9b65d62fbdee90a" providerId="LiveId" clId="{CA13A2FC-0B25-49AF-8ED4-5CE4A3521B97}" dt="2021-04-26T11:16:12.248" v="154" actId="27636"/>
+      <pc:sldChg chg="addSp delSp modSp new mod">
+        <pc:chgData name="Искандер" userId="b9b65d62fbdee90a" providerId="LiveId" clId="{CA13A2FC-0B25-49AF-8ED4-5CE4A3521B97}" dt="2021-04-26T13:33:37.271" v="165" actId="14100"/>
         <pc:sldMkLst>
           <pc:docMk/>
           <pc:sldMk cId="443724499" sldId="258"/>
@@ -192,11 +198,19 @@
           </ac:spMkLst>
         </pc:spChg>
         <pc:spChg chg="mod">
-          <ac:chgData name="Искандер" userId="b9b65d62fbdee90a" providerId="LiveId" clId="{CA13A2FC-0B25-49AF-8ED4-5CE4A3521B97}" dt="2021-04-26T11:16:12.248" v="154" actId="27636"/>
+          <ac:chgData name="Искандер" userId="b9b65d62fbdee90a" providerId="LiveId" clId="{CA13A2FC-0B25-49AF-8ED4-5CE4A3521B97}" dt="2021-04-26T13:33:37.271" v="165" actId="14100"/>
           <ac:spMkLst>
             <pc:docMk/>
             <pc:sldMk cId="443724499" sldId="258"/>
             <ac:spMk id="3" creationId="{68FB7360-8BCC-46DA-841D-237AA5BCC770}"/>
+          </ac:spMkLst>
+        </pc:spChg>
+        <pc:spChg chg="add del">
+          <ac:chgData name="Искандер" userId="b9b65d62fbdee90a" providerId="LiveId" clId="{CA13A2FC-0B25-49AF-8ED4-5CE4A3521B97}" dt="2021-04-26T13:33:15.644" v="160"/>
+          <ac:spMkLst>
+            <pc:docMk/>
+            <pc:sldMk cId="443724499" sldId="258"/>
+            <ac:spMk id="4" creationId="{4DF6A589-69F5-4270-BDEE-BA5017606FA8}"/>
           </ac:spMkLst>
         </pc:spChg>
       </pc:sldChg>
@@ -312,6 +326,29 @@
             <pc:docMk/>
             <pc:sldMk cId="3410542338" sldId="263"/>
             <ac:picMk id="5" creationId="{A8102EB8-3F4C-4964-98A8-C8144E246DDC}"/>
+          </ac:picMkLst>
+        </pc:picChg>
+      </pc:sldChg>
+      <pc:sldChg chg="addSp delSp modSp new mod">
+        <pc:chgData name="Искандер" userId="b9b65d62fbdee90a" providerId="LiveId" clId="{CA13A2FC-0B25-49AF-8ED4-5CE4A3521B97}" dt="2021-04-26T13:33:59.598" v="169" actId="14100"/>
+        <pc:sldMkLst>
+          <pc:docMk/>
+          <pc:sldMk cId="3814651186" sldId="264"/>
+        </pc:sldMkLst>
+        <pc:spChg chg="del">
+          <ac:chgData name="Искандер" userId="b9b65d62fbdee90a" providerId="LiveId" clId="{CA13A2FC-0B25-49AF-8ED4-5CE4A3521B97}" dt="2021-04-26T13:33:55.305" v="167" actId="22"/>
+          <ac:spMkLst>
+            <pc:docMk/>
+            <pc:sldMk cId="3814651186" sldId="264"/>
+            <ac:spMk id="3" creationId="{0A23C436-7DF4-48A0-A9B1-845B6BC61CDD}"/>
+          </ac:spMkLst>
+        </pc:spChg>
+        <pc:picChg chg="add mod ord">
+          <ac:chgData name="Искандер" userId="b9b65d62fbdee90a" providerId="LiveId" clId="{CA13A2FC-0B25-49AF-8ED4-5CE4A3521B97}" dt="2021-04-26T13:33:59.598" v="169" actId="14100"/>
+          <ac:picMkLst>
+            <pc:docMk/>
+            <pc:sldMk cId="3814651186" sldId="264"/>
+            <ac:picMk id="5" creationId="{B02489DE-17CE-4A1F-A1F8-E2B5F5C1CCEC}"/>
           </ac:picMkLst>
         </pc:picChg>
       </pc:sldChg>
@@ -3675,10 +3712,15 @@
             <p:ph idx="1"/>
           </p:nvPr>
         </p:nvSpPr>
-        <p:spPr/>
+        <p:spPr>
+          <a:xfrm>
+            <a:off x="838200" y="1690688"/>
+            <a:ext cx="10515600" cy="4486275"/>
+          </a:xfrm>
+        </p:spPr>
         <p:txBody>
           <a:bodyPr>
-            <a:normAutofit fontScale="92500"/>
+            <a:normAutofit fontScale="92500" lnSpcReduction="20000"/>
           </a:bodyPr>
           <a:lstStyle/>
           <a:p>
@@ -3757,6 +3799,68 @@
               </a:rPr>
               <a:t>-В базе данных есть 4 сущности</a:t>
             </a:r>
+            <a:endParaRPr lang="en-US" dirty="0">
+              <a:latin typeface="Bahnschrift Light" panose="020B0502040204020203" pitchFamily="34" charset="0"/>
+            </a:endParaRPr>
+          </a:p>
+          <a:p>
+            <a:pPr marL="0" indent="0">
+              <a:buNone/>
+            </a:pPr>
+            <a:r>
+              <a:rPr lang="ru-RU" dirty="0">
+                <a:latin typeface="Bahnschrift Light" panose="020B0502040204020203" pitchFamily="34" charset="0"/>
+              </a:rPr>
+              <a:t>-</a:t>
+            </a:r>
+            <a:r>
+              <a:rPr lang="ru-RU" dirty="0" err="1">
+                <a:latin typeface="Bahnschrift Light" panose="020B0502040204020203" pitchFamily="34" charset="0"/>
+              </a:rPr>
+              <a:t>Api</a:t>
+            </a:r>
+            <a:r>
+              <a:rPr lang="ru-RU" dirty="0">
+                <a:latin typeface="Bahnschrift Light" panose="020B0502040204020203" pitchFamily="34" charset="0"/>
+              </a:rPr>
+              <a:t> выгрузка данных продуктов и пользователей</a:t>
+            </a:r>
+          </a:p>
+          <a:p>
+            <a:pPr marL="0" indent="0">
+              <a:buNone/>
+            </a:pPr>
+            <a:r>
+              <a:rPr lang="ru-RU" dirty="0">
+                <a:latin typeface="Bahnschrift Light" panose="020B0502040204020203" pitchFamily="34" charset="0"/>
+              </a:rPr>
+              <a:t>-Тесты для </a:t>
+            </a:r>
+            <a:r>
+              <a:rPr lang="ru-RU" dirty="0" err="1">
+                <a:latin typeface="Bahnschrift Light" panose="020B0502040204020203" pitchFamily="34" charset="0"/>
+              </a:rPr>
+              <a:t>Api</a:t>
+            </a:r>
+            <a:endParaRPr lang="ru-RU" dirty="0">
+              <a:latin typeface="Bahnschrift Light" panose="020B0502040204020203" pitchFamily="34" charset="0"/>
+            </a:endParaRPr>
+          </a:p>
+          <a:p>
+            <a:pPr marL="0" indent="0">
+              <a:buNone/>
+            </a:pPr>
+            <a:endParaRPr lang="en-US" dirty="0">
+              <a:latin typeface="Bahnschrift Light" panose="020B0502040204020203" pitchFamily="34" charset="0"/>
+            </a:endParaRPr>
+          </a:p>
+          <a:p>
+            <a:pPr marL="0" indent="0">
+              <a:buNone/>
+            </a:pPr>
+            <a:endParaRPr lang="ru-RU" dirty="0">
+              <a:latin typeface="Bahnschrift Light" panose="020B0502040204020203" pitchFamily="34" charset="0"/>
+            </a:endParaRPr>
           </a:p>
           <a:p>
             <a:pPr marL="0" indent="0">
@@ -4284,6 +4388,90 @@
     <p:extLst>
       <p:ext uri="{BB962C8B-B14F-4D97-AF65-F5344CB8AC3E}">
         <p14:creationId xmlns:p14="http://schemas.microsoft.com/office/powerpoint/2010/main" val="3410542338"/>
+      </p:ext>
+    </p:extLst>
+  </p:cSld>
+  <p:clrMapOvr>
+    <a:masterClrMapping/>
+  </p:clrMapOvr>
+</p:sld>
+</file>
+
+<file path=ppt/slides/slide9.xml><?xml version="1.0" encoding="utf-8"?>
+<p:sld xmlns:a="http://schemas.openxmlformats.org/drawingml/2006/main" xmlns:r="http://schemas.openxmlformats.org/officeDocument/2006/relationships" xmlns:p="http://schemas.openxmlformats.org/presentationml/2006/main">
+  <p:cSld>
+    <p:spTree>
+      <p:nvGrpSpPr>
+        <p:cNvPr id="1" name=""/>
+        <p:cNvGrpSpPr/>
+        <p:nvPr/>
+      </p:nvGrpSpPr>
+      <p:grpSpPr>
+        <a:xfrm>
+          <a:off x="0" y="0"/>
+          <a:ext cx="0" cy="0"/>
+          <a:chOff x="0" y="0"/>
+          <a:chExt cx="0" cy="0"/>
+        </a:xfrm>
+      </p:grpSpPr>
+      <p:sp>
+        <p:nvSpPr>
+          <p:cNvPr id="2" name="Заголовок 1">
+            <a:extLst>
+              <a:ext uri="{FF2B5EF4-FFF2-40B4-BE49-F238E27FC236}">
+                <a16:creationId xmlns:a16="http://schemas.microsoft.com/office/drawing/2014/main" id="{42F6BEDC-A2A2-442E-99F0-D8777CFB6963}"/>
+              </a:ext>
+            </a:extLst>
+          </p:cNvPr>
+          <p:cNvSpPr>
+            <a:spLocks noGrp="1"/>
+          </p:cNvSpPr>
+          <p:nvPr>
+            <p:ph type="title"/>
+          </p:nvPr>
+        </p:nvSpPr>
+        <p:spPr/>
+        <p:txBody>
+          <a:bodyPr/>
+          <a:lstStyle/>
+          <a:p>
+            <a:endParaRPr lang="ru-RU"/>
+          </a:p>
+        </p:txBody>
+      </p:sp>
+      <p:pic>
+        <p:nvPicPr>
+          <p:cNvPr id="5" name="Объект 4">
+            <a:extLst>
+              <a:ext uri="{FF2B5EF4-FFF2-40B4-BE49-F238E27FC236}">
+                <a16:creationId xmlns:a16="http://schemas.microsoft.com/office/drawing/2014/main" id="{B02489DE-17CE-4A1F-A1F8-E2B5F5C1CCEC}"/>
+              </a:ext>
+            </a:extLst>
+          </p:cNvPr>
+          <p:cNvPicPr>
+            <a:picLocks noGrp="1" noChangeAspect="1"/>
+          </p:cNvPicPr>
+          <p:nvPr>
+            <p:ph idx="1"/>
+          </p:nvPr>
+        </p:nvPicPr>
+        <p:blipFill>
+          <a:blip r:embed="rId2"/>
+          <a:stretch>
+            <a:fillRect/>
+          </a:stretch>
+        </p:blipFill>
+        <p:spPr>
+          <a:xfrm>
+            <a:off x="0" y="0"/>
+            <a:ext cx="12192000" cy="6858000"/>
+          </a:xfrm>
+        </p:spPr>
+      </p:pic>
+    </p:spTree>
+    <p:extLst>
+      <p:ext uri="{BB962C8B-B14F-4D97-AF65-F5344CB8AC3E}">
+        <p14:creationId xmlns:p14="http://schemas.microsoft.com/office/powerpoint/2010/main" val="3814651186"/>
       </p:ext>
     </p:extLst>
   </p:cSld>
